--- a/p01/VR-A-Frame-introduction.pptx
+++ b/p01/VR-A-Frame-introduction.pptx
@@ -3293,7 +3293,7 @@
           <a:p>
             <a:fld id="{846CE7D5-CF57-46EF-B807-FDD0502418D4}" type="datetimeFigureOut">
               <a:rPr lang="en-US" smtClean="0"/>
-              <a:t>10/18/2024</a:t>
+              <a:t>10/19/2024</a:t>
             </a:fld>
             <a:endParaRPr lang="en-US"/>
           </a:p>
@@ -3463,7 +3463,7 @@
           <a:p>
             <a:fld id="{846CE7D5-CF57-46EF-B807-FDD0502418D4}" type="datetimeFigureOut">
               <a:rPr lang="en-US" smtClean="0"/>
-              <a:t>10/18/2024</a:t>
+              <a:t>10/19/2024</a:t>
             </a:fld>
             <a:endParaRPr lang="en-US"/>
           </a:p>
@@ -3643,7 +3643,7 @@
           <a:p>
             <a:fld id="{846CE7D5-CF57-46EF-B807-FDD0502418D4}" type="datetimeFigureOut">
               <a:rPr lang="en-US" smtClean="0"/>
-              <a:t>10/18/2024</a:t>
+              <a:t>10/19/2024</a:t>
             </a:fld>
             <a:endParaRPr lang="en-US"/>
           </a:p>
@@ -3813,7 +3813,7 @@
           <a:p>
             <a:fld id="{846CE7D5-CF57-46EF-B807-FDD0502418D4}" type="datetimeFigureOut">
               <a:rPr lang="en-US" smtClean="0"/>
-              <a:t>10/18/2024</a:t>
+              <a:t>10/19/2024</a:t>
             </a:fld>
             <a:endParaRPr lang="en-US"/>
           </a:p>
@@ -4059,7 +4059,7 @@
           <a:p>
             <a:fld id="{846CE7D5-CF57-46EF-B807-FDD0502418D4}" type="datetimeFigureOut">
               <a:rPr lang="en-US" smtClean="0"/>
-              <a:t>10/18/2024</a:t>
+              <a:t>10/19/2024</a:t>
             </a:fld>
             <a:endParaRPr lang="en-US"/>
           </a:p>
@@ -4291,7 +4291,7 @@
           <a:p>
             <a:fld id="{846CE7D5-CF57-46EF-B807-FDD0502418D4}" type="datetimeFigureOut">
               <a:rPr lang="en-US" smtClean="0"/>
-              <a:t>10/18/2024</a:t>
+              <a:t>10/19/2024</a:t>
             </a:fld>
             <a:endParaRPr lang="en-US"/>
           </a:p>
@@ -4658,7 +4658,7 @@
           <a:p>
             <a:fld id="{846CE7D5-CF57-46EF-B807-FDD0502418D4}" type="datetimeFigureOut">
               <a:rPr lang="en-US" smtClean="0"/>
-              <a:t>10/18/2024</a:t>
+              <a:t>10/19/2024</a:t>
             </a:fld>
             <a:endParaRPr lang="en-US"/>
           </a:p>
@@ -4776,7 +4776,7 @@
           <a:p>
             <a:fld id="{846CE7D5-CF57-46EF-B807-FDD0502418D4}" type="datetimeFigureOut">
               <a:rPr lang="en-US" smtClean="0"/>
-              <a:t>10/18/2024</a:t>
+              <a:t>10/19/2024</a:t>
             </a:fld>
             <a:endParaRPr lang="en-US"/>
           </a:p>
@@ -4871,7 +4871,7 @@
           <a:p>
             <a:fld id="{846CE7D5-CF57-46EF-B807-FDD0502418D4}" type="datetimeFigureOut">
               <a:rPr lang="en-US" smtClean="0"/>
-              <a:t>10/18/2024</a:t>
+              <a:t>10/19/2024</a:t>
             </a:fld>
             <a:endParaRPr lang="en-US"/>
           </a:p>
@@ -5148,7 +5148,7 @@
           <a:p>
             <a:fld id="{846CE7D5-CF57-46EF-B807-FDD0502418D4}" type="datetimeFigureOut">
               <a:rPr lang="en-US" smtClean="0"/>
-              <a:t>10/18/2024</a:t>
+              <a:t>10/19/2024</a:t>
             </a:fld>
             <a:endParaRPr lang="en-US"/>
           </a:p>
@@ -5405,7 +5405,7 @@
           <a:p>
             <a:fld id="{846CE7D5-CF57-46EF-B807-FDD0502418D4}" type="datetimeFigureOut">
               <a:rPr lang="en-US" smtClean="0"/>
-              <a:t>10/18/2024</a:t>
+              <a:t>10/19/2024</a:t>
             </a:fld>
             <a:endParaRPr lang="en-US"/>
           </a:p>
@@ -5618,7 +5618,7 @@
           <a:p>
             <a:fld id="{846CE7D5-CF57-46EF-B807-FDD0502418D4}" type="datetimeFigureOut">
               <a:rPr lang="en-US" smtClean="0"/>
-              <a:t>10/18/2024</a:t>
+              <a:t>10/19/2024</a:t>
             </a:fld>
             <a:endParaRPr lang="en-US"/>
           </a:p>
@@ -11687,7 +11687,9 @@
         </p:nvSpPr>
         <p:spPr/>
         <p:txBody>
-          <a:bodyPr/>
+          <a:bodyPr>
+            <a:normAutofit lnSpcReduction="10000"/>
+          </a:bodyPr>
           <a:lstStyle/>
           <a:p>
             <a:pPr marL="0" indent="0">
@@ -11771,21 +11773,8 @@
                   <a:srgbClr val="FF0000"/>
                 </a:solidFill>
               </a:rPr>
-              <a:t>Or to run outside of Glitch.com </a:t>
-            </a:r>
-            <a:r>
-              <a:rPr lang="en-US">
-                <a:solidFill>
-                  <a:srgbClr val="FF0000"/>
-                </a:solidFill>
-              </a:rPr>
-              <a:t>to help TROUBLE SHOOTING</a:t>
-            </a:r>
-            <a:endParaRPr lang="en-US" dirty="0">
-              <a:solidFill>
-                <a:srgbClr val="FF0000"/>
-              </a:solidFill>
-            </a:endParaRPr>
+              <a:t>Or to run outside of Glitch.com to help TROUBLE SHOOTING</a:t>
+            </a:r>
           </a:p>
           <a:p>
             <a:pPr marL="0" indent="0">
@@ -11810,7 +11799,7 @@
             </a:r>
             <a:r>
               <a:rPr lang="en-US" dirty="0"/>
-              <a:t>="</a:t>
+              <a:t>=“../../</a:t>
             </a:r>
             <a:r>
               <a:rPr lang="en-US" dirty="0" err="1"/>

--- a/p01/VR-A-Frame-introduction.pptx
+++ b/p01/VR-A-Frame-introduction.pptx
@@ -3293,7 +3293,7 @@
           <a:p>
             <a:fld id="{846CE7D5-CF57-46EF-B807-FDD0502418D4}" type="datetimeFigureOut">
               <a:rPr lang="en-US" smtClean="0"/>
-              <a:t>10/19/2024</a:t>
+              <a:t>10/26/2024</a:t>
             </a:fld>
             <a:endParaRPr lang="en-US"/>
           </a:p>
@@ -3463,7 +3463,7 @@
           <a:p>
             <a:fld id="{846CE7D5-CF57-46EF-B807-FDD0502418D4}" type="datetimeFigureOut">
               <a:rPr lang="en-US" smtClean="0"/>
-              <a:t>10/19/2024</a:t>
+              <a:t>10/26/2024</a:t>
             </a:fld>
             <a:endParaRPr lang="en-US"/>
           </a:p>
@@ -3643,7 +3643,7 @@
           <a:p>
             <a:fld id="{846CE7D5-CF57-46EF-B807-FDD0502418D4}" type="datetimeFigureOut">
               <a:rPr lang="en-US" smtClean="0"/>
-              <a:t>10/19/2024</a:t>
+              <a:t>10/26/2024</a:t>
             </a:fld>
             <a:endParaRPr lang="en-US"/>
           </a:p>
@@ -3813,7 +3813,7 @@
           <a:p>
             <a:fld id="{846CE7D5-CF57-46EF-B807-FDD0502418D4}" type="datetimeFigureOut">
               <a:rPr lang="en-US" smtClean="0"/>
-              <a:t>10/19/2024</a:t>
+              <a:t>10/26/2024</a:t>
             </a:fld>
             <a:endParaRPr lang="en-US"/>
           </a:p>
@@ -4059,7 +4059,7 @@
           <a:p>
             <a:fld id="{846CE7D5-CF57-46EF-B807-FDD0502418D4}" type="datetimeFigureOut">
               <a:rPr lang="en-US" smtClean="0"/>
-              <a:t>10/19/2024</a:t>
+              <a:t>10/26/2024</a:t>
             </a:fld>
             <a:endParaRPr lang="en-US"/>
           </a:p>
@@ -4291,7 +4291,7 @@
           <a:p>
             <a:fld id="{846CE7D5-CF57-46EF-B807-FDD0502418D4}" type="datetimeFigureOut">
               <a:rPr lang="en-US" smtClean="0"/>
-              <a:t>10/19/2024</a:t>
+              <a:t>10/26/2024</a:t>
             </a:fld>
             <a:endParaRPr lang="en-US"/>
           </a:p>
@@ -4658,7 +4658,7 @@
           <a:p>
             <a:fld id="{846CE7D5-CF57-46EF-B807-FDD0502418D4}" type="datetimeFigureOut">
               <a:rPr lang="en-US" smtClean="0"/>
-              <a:t>10/19/2024</a:t>
+              <a:t>10/26/2024</a:t>
             </a:fld>
             <a:endParaRPr lang="en-US"/>
           </a:p>
@@ -4776,7 +4776,7 @@
           <a:p>
             <a:fld id="{846CE7D5-CF57-46EF-B807-FDD0502418D4}" type="datetimeFigureOut">
               <a:rPr lang="en-US" smtClean="0"/>
-              <a:t>10/19/2024</a:t>
+              <a:t>10/26/2024</a:t>
             </a:fld>
             <a:endParaRPr lang="en-US"/>
           </a:p>
@@ -4871,7 +4871,7 @@
           <a:p>
             <a:fld id="{846CE7D5-CF57-46EF-B807-FDD0502418D4}" type="datetimeFigureOut">
               <a:rPr lang="en-US" smtClean="0"/>
-              <a:t>10/19/2024</a:t>
+              <a:t>10/26/2024</a:t>
             </a:fld>
             <a:endParaRPr lang="en-US"/>
           </a:p>
@@ -5148,7 +5148,7 @@
           <a:p>
             <a:fld id="{846CE7D5-CF57-46EF-B807-FDD0502418D4}" type="datetimeFigureOut">
               <a:rPr lang="en-US" smtClean="0"/>
-              <a:t>10/19/2024</a:t>
+              <a:t>10/26/2024</a:t>
             </a:fld>
             <a:endParaRPr lang="en-US"/>
           </a:p>
@@ -5405,7 +5405,7 @@
           <a:p>
             <a:fld id="{846CE7D5-CF57-46EF-B807-FDD0502418D4}" type="datetimeFigureOut">
               <a:rPr lang="en-US" smtClean="0"/>
-              <a:t>10/19/2024</a:t>
+              <a:t>10/26/2024</a:t>
             </a:fld>
             <a:endParaRPr lang="en-US"/>
           </a:p>
@@ -5618,7 +5618,7 @@
           <a:p>
             <a:fld id="{846CE7D5-CF57-46EF-B807-FDD0502418D4}" type="datetimeFigureOut">
               <a:rPr lang="en-US" smtClean="0"/>
-              <a:t>10/19/2024</a:t>
+              <a:t>10/26/2024</a:t>
             </a:fld>
             <a:endParaRPr lang="en-US"/>
           </a:p>
@@ -12747,7 +12747,7 @@
             </a:pPr>
             <a:r>
               <a:rPr lang="en-US" dirty="0"/>
-              <a:t>Nothing installed</a:t>
+              <a:t>Easy</a:t>
             </a:r>
           </a:p>
           <a:p>
@@ -12756,7 +12756,7 @@
             </a:pPr>
             <a:r>
               <a:rPr lang="en-US" dirty="0"/>
-              <a:t>	You may use Python3</a:t>
+              <a:t>	Only Python3 installed</a:t>
             </a:r>
           </a:p>
           <a:p>

--- a/p01/VR-A-Frame-introduction.pptx
+++ b/p01/VR-A-Frame-introduction.pptx
@@ -11821,7 +11821,16 @@
             </a:r>
             <a:r>
               <a:rPr lang="en-US" dirty="0"/>
-              <a:t>"&gt;&lt;/script&gt;</a:t>
+              <a:t>"&gt;</a:t>
+            </a:r>
+          </a:p>
+          <a:p>
+            <a:pPr marL="0" indent="0">
+              <a:buNone/>
+            </a:pPr>
+            <a:r>
+              <a:rPr lang="en-US" dirty="0"/>
+              <a:t>   &lt;/script&gt;</a:t>
             </a:r>
           </a:p>
         </p:txBody>

--- a/p01/VR-A-Frame-introduction.pptx
+++ b/p01/VR-A-Frame-introduction.pptx
@@ -3293,7 +3293,7 @@
           <a:p>
             <a:fld id="{846CE7D5-CF57-46EF-B807-FDD0502418D4}" type="datetimeFigureOut">
               <a:rPr lang="en-US" smtClean="0"/>
-              <a:t>10/26/2024</a:t>
+              <a:t>5/19/2025</a:t>
             </a:fld>
             <a:endParaRPr lang="en-US"/>
           </a:p>
@@ -3463,7 +3463,7 @@
           <a:p>
             <a:fld id="{846CE7D5-CF57-46EF-B807-FDD0502418D4}" type="datetimeFigureOut">
               <a:rPr lang="en-US" smtClean="0"/>
-              <a:t>10/26/2024</a:t>
+              <a:t>5/19/2025</a:t>
             </a:fld>
             <a:endParaRPr lang="en-US"/>
           </a:p>
@@ -3643,7 +3643,7 @@
           <a:p>
             <a:fld id="{846CE7D5-CF57-46EF-B807-FDD0502418D4}" type="datetimeFigureOut">
               <a:rPr lang="en-US" smtClean="0"/>
-              <a:t>10/26/2024</a:t>
+              <a:t>5/19/2025</a:t>
             </a:fld>
             <a:endParaRPr lang="en-US"/>
           </a:p>
@@ -3813,7 +3813,7 @@
           <a:p>
             <a:fld id="{846CE7D5-CF57-46EF-B807-FDD0502418D4}" type="datetimeFigureOut">
               <a:rPr lang="en-US" smtClean="0"/>
-              <a:t>10/26/2024</a:t>
+              <a:t>5/19/2025</a:t>
             </a:fld>
             <a:endParaRPr lang="en-US"/>
           </a:p>
@@ -4059,7 +4059,7 @@
           <a:p>
             <a:fld id="{846CE7D5-CF57-46EF-B807-FDD0502418D4}" type="datetimeFigureOut">
               <a:rPr lang="en-US" smtClean="0"/>
-              <a:t>10/26/2024</a:t>
+              <a:t>5/19/2025</a:t>
             </a:fld>
             <a:endParaRPr lang="en-US"/>
           </a:p>
@@ -4291,7 +4291,7 @@
           <a:p>
             <a:fld id="{846CE7D5-CF57-46EF-B807-FDD0502418D4}" type="datetimeFigureOut">
               <a:rPr lang="en-US" smtClean="0"/>
-              <a:t>10/26/2024</a:t>
+              <a:t>5/19/2025</a:t>
             </a:fld>
             <a:endParaRPr lang="en-US"/>
           </a:p>
@@ -4658,7 +4658,7 @@
           <a:p>
             <a:fld id="{846CE7D5-CF57-46EF-B807-FDD0502418D4}" type="datetimeFigureOut">
               <a:rPr lang="en-US" smtClean="0"/>
-              <a:t>10/26/2024</a:t>
+              <a:t>5/19/2025</a:t>
             </a:fld>
             <a:endParaRPr lang="en-US"/>
           </a:p>
@@ -4776,7 +4776,7 @@
           <a:p>
             <a:fld id="{846CE7D5-CF57-46EF-B807-FDD0502418D4}" type="datetimeFigureOut">
               <a:rPr lang="en-US" smtClean="0"/>
-              <a:t>10/26/2024</a:t>
+              <a:t>5/19/2025</a:t>
             </a:fld>
             <a:endParaRPr lang="en-US"/>
           </a:p>
@@ -4871,7 +4871,7 @@
           <a:p>
             <a:fld id="{846CE7D5-CF57-46EF-B807-FDD0502418D4}" type="datetimeFigureOut">
               <a:rPr lang="en-US" smtClean="0"/>
-              <a:t>10/26/2024</a:t>
+              <a:t>5/19/2025</a:t>
             </a:fld>
             <a:endParaRPr lang="en-US"/>
           </a:p>
@@ -5148,7 +5148,7 @@
           <a:p>
             <a:fld id="{846CE7D5-CF57-46EF-B807-FDD0502418D4}" type="datetimeFigureOut">
               <a:rPr lang="en-US" smtClean="0"/>
-              <a:t>10/26/2024</a:t>
+              <a:t>5/19/2025</a:t>
             </a:fld>
             <a:endParaRPr lang="en-US"/>
           </a:p>
@@ -5405,7 +5405,7 @@
           <a:p>
             <a:fld id="{846CE7D5-CF57-46EF-B807-FDD0502418D4}" type="datetimeFigureOut">
               <a:rPr lang="en-US" smtClean="0"/>
-              <a:t>10/26/2024</a:t>
+              <a:t>5/19/2025</a:t>
             </a:fld>
             <a:endParaRPr lang="en-US"/>
           </a:p>
@@ -5618,7 +5618,7 @@
           <a:p>
             <a:fld id="{846CE7D5-CF57-46EF-B807-FDD0502418D4}" type="datetimeFigureOut">
               <a:rPr lang="en-US" smtClean="0"/>
-              <a:t>10/26/2024</a:t>
+              <a:t>5/19/2025</a:t>
             </a:fld>
             <a:endParaRPr lang="en-US"/>
           </a:p>
@@ -11057,7 +11057,7 @@
             </a:r>
             <a:r>
               <a:rPr lang="en-US" dirty="0"/>
-              <a:t>="https://aframe.io/releases/1.4.1/aframe.min.js"&gt;&lt;/script&gt;</a:t>
+              <a:t>="https://aframe.io/releases/1.7.1/aframe.min.js"&gt;&lt;/script&gt;</a:t>
             </a:r>
           </a:p>
           <a:p>
@@ -11736,7 +11736,7 @@
                   </a:schemeClr>
                 </a:solidFill>
               </a:rPr>
-              <a:t>="https://aframe.io/releases/1.4.1/aframe.min.js"&gt;</a:t>
+              <a:t>="https://aframe.io/releases/1.7.1/aframe.min.js"&gt;</a:t>
             </a:r>
           </a:p>
           <a:p>
@@ -11817,7 +11817,7 @@
                   </a:schemeClr>
                 </a:solidFill>
               </a:rPr>
-              <a:t>aframe.io_releases_1.4.1_aframe.min.js</a:t>
+              <a:t>aframe.io_releases_1.7.1_aframe.min.js</a:t>
             </a:r>
             <a:r>
               <a:rPr lang="en-US" dirty="0"/>

--- a/p01/VR-A-Frame-introduction.pptx
+++ b/p01/VR-A-Frame-introduction.pptx
@@ -3293,7 +3293,7 @@
           <a:p>
             <a:fld id="{846CE7D5-CF57-46EF-B807-FDD0502418D4}" type="datetimeFigureOut">
               <a:rPr lang="en-US" smtClean="0"/>
-              <a:t>5/19/2025</a:t>
+              <a:t>5/30/2025</a:t>
             </a:fld>
             <a:endParaRPr lang="en-US"/>
           </a:p>
@@ -3463,7 +3463,7 @@
           <a:p>
             <a:fld id="{846CE7D5-CF57-46EF-B807-FDD0502418D4}" type="datetimeFigureOut">
               <a:rPr lang="en-US" smtClean="0"/>
-              <a:t>5/19/2025</a:t>
+              <a:t>5/30/2025</a:t>
             </a:fld>
             <a:endParaRPr lang="en-US"/>
           </a:p>
@@ -3643,7 +3643,7 @@
           <a:p>
             <a:fld id="{846CE7D5-CF57-46EF-B807-FDD0502418D4}" type="datetimeFigureOut">
               <a:rPr lang="en-US" smtClean="0"/>
-              <a:t>5/19/2025</a:t>
+              <a:t>5/30/2025</a:t>
             </a:fld>
             <a:endParaRPr lang="en-US"/>
           </a:p>
@@ -3813,7 +3813,7 @@
           <a:p>
             <a:fld id="{846CE7D5-CF57-46EF-B807-FDD0502418D4}" type="datetimeFigureOut">
               <a:rPr lang="en-US" smtClean="0"/>
-              <a:t>5/19/2025</a:t>
+              <a:t>5/30/2025</a:t>
             </a:fld>
             <a:endParaRPr lang="en-US"/>
           </a:p>
@@ -4059,7 +4059,7 @@
           <a:p>
             <a:fld id="{846CE7D5-CF57-46EF-B807-FDD0502418D4}" type="datetimeFigureOut">
               <a:rPr lang="en-US" smtClean="0"/>
-              <a:t>5/19/2025</a:t>
+              <a:t>5/30/2025</a:t>
             </a:fld>
             <a:endParaRPr lang="en-US"/>
           </a:p>
@@ -4291,7 +4291,7 @@
           <a:p>
             <a:fld id="{846CE7D5-CF57-46EF-B807-FDD0502418D4}" type="datetimeFigureOut">
               <a:rPr lang="en-US" smtClean="0"/>
-              <a:t>5/19/2025</a:t>
+              <a:t>5/30/2025</a:t>
             </a:fld>
             <a:endParaRPr lang="en-US"/>
           </a:p>
@@ -4658,7 +4658,7 @@
           <a:p>
             <a:fld id="{846CE7D5-CF57-46EF-B807-FDD0502418D4}" type="datetimeFigureOut">
               <a:rPr lang="en-US" smtClean="0"/>
-              <a:t>5/19/2025</a:t>
+              <a:t>5/30/2025</a:t>
             </a:fld>
             <a:endParaRPr lang="en-US"/>
           </a:p>
@@ -4776,7 +4776,7 @@
           <a:p>
             <a:fld id="{846CE7D5-CF57-46EF-B807-FDD0502418D4}" type="datetimeFigureOut">
               <a:rPr lang="en-US" smtClean="0"/>
-              <a:t>5/19/2025</a:t>
+              <a:t>5/30/2025</a:t>
             </a:fld>
             <a:endParaRPr lang="en-US"/>
           </a:p>
@@ -4871,7 +4871,7 @@
           <a:p>
             <a:fld id="{846CE7D5-CF57-46EF-B807-FDD0502418D4}" type="datetimeFigureOut">
               <a:rPr lang="en-US" smtClean="0"/>
-              <a:t>5/19/2025</a:t>
+              <a:t>5/30/2025</a:t>
             </a:fld>
             <a:endParaRPr lang="en-US"/>
           </a:p>
@@ -5148,7 +5148,7 @@
           <a:p>
             <a:fld id="{846CE7D5-CF57-46EF-B807-FDD0502418D4}" type="datetimeFigureOut">
               <a:rPr lang="en-US" smtClean="0"/>
-              <a:t>5/19/2025</a:t>
+              <a:t>5/30/2025</a:t>
             </a:fld>
             <a:endParaRPr lang="en-US"/>
           </a:p>
@@ -5405,7 +5405,7 @@
           <a:p>
             <a:fld id="{846CE7D5-CF57-46EF-B807-FDD0502418D4}" type="datetimeFigureOut">
               <a:rPr lang="en-US" smtClean="0"/>
-              <a:t>5/19/2025</a:t>
+              <a:t>5/30/2025</a:t>
             </a:fld>
             <a:endParaRPr lang="en-US"/>
           </a:p>
@@ -5618,7 +5618,7 @@
           <a:p>
             <a:fld id="{846CE7D5-CF57-46EF-B807-FDD0502418D4}" type="datetimeFigureOut">
               <a:rPr lang="en-US" smtClean="0"/>
-              <a:t>5/19/2025</a:t>
+              <a:t>5/30/2025</a:t>
             </a:fld>
             <a:endParaRPr lang="en-US"/>
           </a:p>
@@ -8202,7 +8202,15 @@
             </a:pPr>
             <a:r>
               <a:rPr lang="en-US" dirty="0"/>
-              <a:t>The contents of not-index.html in p01</a:t>
+              <a:t>The contents of </a:t>
+            </a:r>
+            <a:r>
+              <a:rPr lang="en-US" b="1" dirty="0"/>
+              <a:t>not-index.html </a:t>
+            </a:r>
+            <a:r>
+              <a:rPr lang="en-US" dirty="0"/>
+              <a:t>from p01</a:t>
             </a:r>
           </a:p>
           <a:p>

--- a/p01/VR-A-Frame-introduction.pptx
+++ b/p01/VR-A-Frame-introduction.pptx
@@ -11807,7 +11807,7 @@
             </a:r>
             <a:r>
               <a:rPr lang="en-US" dirty="0"/>
-              <a:t>=“../../</a:t>
+              <a:t>=“../</a:t>
             </a:r>
             <a:r>
               <a:rPr lang="en-US" dirty="0" err="1"/>
@@ -12040,6 +12040,49 @@
             <a:r>
               <a:rPr lang="en-US" sz="2400" dirty="0"/>
               <a:t> debugging</a:t>
+            </a:r>
+          </a:p>
+        </p:txBody>
+      </p:sp>
+      <p:sp>
+        <p:nvSpPr>
+          <p:cNvPr id="3" name="TextBox 2">
+            <a:extLst>
+              <a:ext uri="{FF2B5EF4-FFF2-40B4-BE49-F238E27FC236}">
+                <a16:creationId xmlns:a16="http://schemas.microsoft.com/office/drawing/2014/main" id="{EF8239DD-2B88-AED9-EF8E-8B318EF4AF07}"/>
+              </a:ext>
+            </a:extLst>
+          </p:cNvPr>
+          <p:cNvSpPr txBox="1"/>
+          <p:nvPr/>
+        </p:nvSpPr>
+        <p:spPr>
+          <a:xfrm>
+            <a:off x="3257123" y="3144984"/>
+            <a:ext cx="6384248" cy="461665"/>
+          </a:xfrm>
+          <a:prstGeom prst="rect">
+            <a:avLst/>
+          </a:prstGeom>
+          <a:noFill/>
+        </p:spPr>
+        <p:txBody>
+          <a:bodyPr wrap="none" rtlCol="0">
+            <a:spAutoFit/>
+          </a:bodyPr>
+          <a:lstStyle/>
+          <a:p>
+            <a:r>
+              <a:rPr lang="en-US" sz="2400" dirty="0">
+                <a:highlight>
+                  <a:srgbClr val="00FFFF"/>
+                </a:highlight>
+              </a:rPr>
+              <a:t>CMD-Option-I in browser</a:t>
+            </a:r>
+            <a:r>
+              <a:rPr lang="en-US" sz="2400" dirty="0"/>
+              <a:t>    for a-frame debugging</a:t>
             </a:r>
           </a:p>
         </p:txBody>
